--- a/Productivity.pptx
+++ b/Productivity.pptx
@@ -5477,7 +5477,9 @@
         </p:nvSpPr>
         <p:spPr/>
         <p:txBody>
-          <a:bodyPr/>
+          <a:bodyPr>
+            <a:normAutofit fontScale="92500" lnSpcReduction="10000"/>
+          </a:bodyPr>
           <a:lstStyle/>
           <a:p>
             <a:r>
@@ -5491,10 +5493,52 @@
           </a:p>
           <a:p>
             <a:r>
-              <a:rPr lang="en-US" dirty="0" smtClean="0"/>
+              <a:rPr lang="en-US" dirty="0" smtClean="0">
+                <a:solidFill>
+                  <a:schemeClr val="bg1"/>
+                </a:solidFill>
+                <a:hlinkClick r:id="rId2"/>
+              </a:rPr>
               <a:t>me@alimkarim.com</a:t>
             </a:r>
-            <a:endParaRPr lang="en-US" dirty="0"/>
+            <a:endParaRPr lang="en-US" dirty="0" smtClean="0">
+              <a:solidFill>
+                <a:schemeClr val="bg1"/>
+              </a:solidFill>
+            </a:endParaRPr>
+          </a:p>
+          <a:p>
+            <a:r>
+              <a:rPr lang="en-US" dirty="0">
+                <a:solidFill>
+                  <a:schemeClr val="bg1"/>
+                </a:solidFill>
+                <a:hlinkClick r:id="rId3"/>
+              </a:rPr>
+              <a:t>http://</a:t>
+            </a:r>
+            <a:r>
+              <a:rPr lang="en-US" dirty="0" smtClean="0">
+                <a:solidFill>
+                  <a:schemeClr val="bg1"/>
+                </a:solidFill>
+                <a:hlinkClick r:id="rId3"/>
+              </a:rPr>
+              <a:t>bit.ly/productivity-slides-enosis</a:t>
+            </a:r>
+            <a:r>
+              <a:rPr lang="en-US" dirty="0" smtClean="0">
+                <a:solidFill>
+                  <a:schemeClr val="bg1"/>
+                </a:solidFill>
+              </a:rPr>
+              <a:t> </a:t>
+            </a:r>
+            <a:endParaRPr lang="en-US" dirty="0">
+              <a:solidFill>
+                <a:schemeClr val="bg1"/>
+              </a:solidFill>
+            </a:endParaRPr>
           </a:p>
         </p:txBody>
       </p:sp>
@@ -16406,12 +16450,34 @@
           </a:p>
           <a:p>
             <a:r>
-              <a:rPr lang="en-US" dirty="0"/>
+              <a:rPr lang="en-US" dirty="0" smtClean="0"/>
               <a:t>linkedin.com/in/</a:t>
             </a:r>
             <a:r>
-              <a:rPr lang="en-US" dirty="0" err="1"/>
+              <a:rPr lang="en-US" dirty="0" err="1" smtClean="0"/>
               <a:t>alimkarim</a:t>
+            </a:r>
+            <a:endParaRPr lang="en-US" dirty="0" smtClean="0"/>
+          </a:p>
+          <a:p>
+            <a:endParaRPr lang="en-US" dirty="0"/>
+          </a:p>
+          <a:p>
+            <a:r>
+              <a:rPr lang="en-US" dirty="0">
+                <a:hlinkClick r:id="rId2"/>
+              </a:rPr>
+              <a:t>http://</a:t>
+            </a:r>
+            <a:r>
+              <a:rPr lang="en-US" dirty="0" smtClean="0">
+                <a:hlinkClick r:id="rId2"/>
+              </a:rPr>
+              <a:t>bit.ly/productivity-slides-enosis</a:t>
+            </a:r>
+            <a:r>
+              <a:rPr lang="en-US" dirty="0" smtClean="0"/>
+              <a:t> </a:t>
             </a:r>
             <a:endParaRPr lang="en-US" dirty="0"/>
           </a:p>
